--- a/Async-Notification.pptx
+++ b/Async-Notification.pptx
@@ -8137,12 +8137,8 @@
           <a:p>
             <a:pPr lvl="1"/>
             <a:r>
-              <a:rPr lang="en-US" dirty="0" err="1" smtClean="0"/>
-              <a:t>monitior</a:t>
-            </a:r>
-            <a:r>
-              <a:rPr lang="en-US" dirty="0" smtClean="0"/>
-              <a:t> resource to observe, </a:t>
+              <a:rPr lang="en-US" dirty="0" smtClean="0"/>
+              <a:t>monitor resource to observe, </a:t>
             </a:r>
           </a:p>
           <a:p>
